--- a/Presentation/Sunay - Final Demo.pptx
+++ b/Presentation/Sunay - Final Demo.pptx
@@ -1239,401 +1239,6 @@
       <dsp:cNvGrpSpPr/>
     </dsp:nvGrpSpPr>
     <dsp:grpSpPr/>
-    <dsp:sp modelId="{49A0904E-8837-4903-8A87-643C0E664CEC}">
-      <dsp:nvSpPr>
-        <dsp:cNvPr id="0" name=""/>
-        <dsp:cNvSpPr/>
-      </dsp:nvSpPr>
-      <dsp:spPr>
-        <a:xfrm>
-          <a:off x="4296604" y="2218269"/>
-          <a:ext cx="3114269" cy="3114269"/>
-        </a:xfrm>
-        <a:prstGeom prst="ellipse">
-          <a:avLst/>
-        </a:prstGeom>
-        <a:solidFill>
-          <a:schemeClr val="accent4">
-            <a:alpha val="50000"/>
-            <a:hueOff val="0"/>
-            <a:satOff val="0"/>
-            <a:lumOff val="0"/>
-            <a:alphaOff val="0"/>
-          </a:schemeClr>
-        </a:solidFill>
-        <a:ln w="12700" cap="flat" cmpd="sng" algn="ctr">
-          <a:solidFill>
-            <a:schemeClr val="lt1">
-              <a:hueOff val="0"/>
-              <a:satOff val="0"/>
-              <a:lumOff val="0"/>
-              <a:alphaOff val="0"/>
-            </a:schemeClr>
-          </a:solidFill>
-          <a:prstDash val="solid"/>
-          <a:miter lim="800000"/>
-        </a:ln>
-        <a:effectLst/>
-      </dsp:spPr>
-      <dsp:style>
-        <a:lnRef idx="2">
-          <a:scrgbClr r="0" g="0" b="0"/>
-        </a:lnRef>
-        <a:fillRef idx="1">
-          <a:scrgbClr r="0" g="0" b="0"/>
-        </a:fillRef>
-        <a:effectRef idx="0">
-          <a:scrgbClr r="0" g="0" b="0"/>
-        </a:effectRef>
-        <a:fontRef idx="minor">
-          <a:schemeClr val="tx1"/>
-        </a:fontRef>
-      </dsp:style>
-      <dsp:txBody>
-        <a:bodyPr spcFirstLastPara="0" vert="horz" wrap="square" lIns="38100" tIns="38100" rIns="38100" bIns="38100" numCol="1" spcCol="1270" anchor="ctr" anchorCtr="0">
-          <a:noAutofit/>
-        </a:bodyPr>
-        <a:lstStyle/>
-        <a:p>
-          <a:pPr lvl="0" algn="ctr" defTabSz="1333500">
-            <a:lnSpc>
-              <a:spcPct val="90000"/>
-            </a:lnSpc>
-            <a:spcBef>
-              <a:spcPct val="0"/>
-            </a:spcBef>
-            <a:spcAft>
-              <a:spcPct val="35000"/>
-            </a:spcAft>
-          </a:pPr>
-          <a:r>
-            <a:rPr lang="en-AU" sz="3000" kern="1200" dirty="0" smtClean="0"/>
-            <a:t>412 articles published between 1994 and 2015 </a:t>
-          </a:r>
-          <a:endParaRPr lang="en-AU" sz="3000" kern="1200" dirty="0"/>
-        </a:p>
-      </dsp:txBody>
-      <dsp:txXfrm>
-        <a:off x="4752678" y="2674343"/>
-        <a:ext cx="2202121" cy="2202121"/>
-      </dsp:txXfrm>
-    </dsp:sp>
-    <dsp:sp modelId="{1EBA2C7C-6DF8-4809-9A9C-146EBAD68E09}">
-      <dsp:nvSpPr>
-        <dsp:cNvPr id="0" name=""/>
-        <dsp:cNvSpPr/>
-      </dsp:nvSpPr>
-      <dsp:spPr>
-        <a:xfrm>
-          <a:off x="2719754" y="205585"/>
-          <a:ext cx="4209806" cy="1875662"/>
-        </a:xfrm>
-        <a:prstGeom prst="ellipse">
-          <a:avLst/>
-        </a:prstGeom>
-        <a:solidFill>
-          <a:schemeClr val="accent4">
-            <a:alpha val="50000"/>
-            <a:hueOff val="2598923"/>
-            <a:satOff val="-11992"/>
-            <a:lumOff val="441"/>
-            <a:alphaOff val="0"/>
-          </a:schemeClr>
-        </a:solidFill>
-        <a:ln w="12700" cap="flat" cmpd="sng" algn="ctr">
-          <a:solidFill>
-            <a:schemeClr val="lt1">
-              <a:hueOff val="0"/>
-              <a:satOff val="0"/>
-              <a:lumOff val="0"/>
-              <a:alphaOff val="0"/>
-            </a:schemeClr>
-          </a:solidFill>
-          <a:prstDash val="solid"/>
-          <a:miter lim="800000"/>
-        </a:ln>
-        <a:effectLst/>
-      </dsp:spPr>
-      <dsp:style>
-        <a:lnRef idx="2">
-          <a:scrgbClr r="0" g="0" b="0"/>
-        </a:lnRef>
-        <a:fillRef idx="1">
-          <a:scrgbClr r="0" g="0" b="0"/>
-        </a:fillRef>
-        <a:effectRef idx="0">
-          <a:scrgbClr r="0" g="0" b="0"/>
-        </a:effectRef>
-        <a:fontRef idx="minor">
-          <a:schemeClr val="tx1"/>
-        </a:fontRef>
-      </dsp:style>
-      <dsp:txBody>
-        <a:bodyPr spcFirstLastPara="0" vert="horz" wrap="square" lIns="25400" tIns="25400" rIns="25400" bIns="25400" numCol="1" spcCol="1270" anchor="ctr" anchorCtr="0">
-          <a:noAutofit/>
-        </a:bodyPr>
-        <a:lstStyle/>
-        <a:p>
-          <a:pPr lvl="0" algn="ctr" defTabSz="889000">
-            <a:lnSpc>
-              <a:spcPct val="90000"/>
-            </a:lnSpc>
-            <a:spcBef>
-              <a:spcPct val="0"/>
-            </a:spcBef>
-            <a:spcAft>
-              <a:spcPct val="35000"/>
-            </a:spcAft>
-          </a:pPr>
-          <a:r>
-            <a:rPr lang="en-AU" sz="2000" kern="1200" dirty="0" smtClean="0"/>
-            <a:t>Multilayer feedforward network with gradient descent backpropagation most common.</a:t>
-          </a:r>
-          <a:endParaRPr lang="en-AU" sz="2000" kern="1200" dirty="0"/>
-        </a:p>
-      </dsp:txBody>
-      <dsp:txXfrm>
-        <a:off x="3336266" y="480269"/>
-        <a:ext cx="2976782" cy="1326294"/>
-      </dsp:txXfrm>
-    </dsp:sp>
-    <dsp:sp modelId="{D39E98F4-F928-44C3-9F7A-C6D9D205FE6A}">
-      <dsp:nvSpPr>
-        <dsp:cNvPr id="0" name=""/>
-        <dsp:cNvSpPr/>
-      </dsp:nvSpPr>
-      <dsp:spPr>
-        <a:xfrm>
-          <a:off x="7489755" y="186830"/>
-          <a:ext cx="3375478" cy="2501162"/>
-        </a:xfrm>
-        <a:prstGeom prst="ellipse">
-          <a:avLst/>
-        </a:prstGeom>
-        <a:solidFill>
-          <a:schemeClr val="accent4">
-            <a:alpha val="50000"/>
-            <a:hueOff val="5197846"/>
-            <a:satOff val="-23984"/>
-            <a:lumOff val="883"/>
-            <a:alphaOff val="0"/>
-          </a:schemeClr>
-        </a:solidFill>
-        <a:ln w="12700" cap="flat" cmpd="sng" algn="ctr">
-          <a:solidFill>
-            <a:schemeClr val="lt1">
-              <a:hueOff val="0"/>
-              <a:satOff val="0"/>
-              <a:lumOff val="0"/>
-              <a:alphaOff val="0"/>
-            </a:schemeClr>
-          </a:solidFill>
-          <a:prstDash val="solid"/>
-          <a:miter lim="800000"/>
-        </a:ln>
-        <a:effectLst/>
-      </dsp:spPr>
-      <dsp:style>
-        <a:lnRef idx="2">
-          <a:scrgbClr r="0" g="0" b="0"/>
-        </a:lnRef>
-        <a:fillRef idx="1">
-          <a:scrgbClr r="0" g="0" b="0"/>
-        </a:fillRef>
-        <a:effectRef idx="0">
-          <a:scrgbClr r="0" g="0" b="0"/>
-        </a:effectRef>
-        <a:fontRef idx="minor">
-          <a:schemeClr val="tx1"/>
-        </a:fontRef>
-      </dsp:style>
-      <dsp:txBody>
-        <a:bodyPr spcFirstLastPara="0" vert="horz" wrap="square" lIns="25400" tIns="25400" rIns="25400" bIns="25400" numCol="1" spcCol="1270" anchor="ctr" anchorCtr="0">
-          <a:noAutofit/>
-        </a:bodyPr>
-        <a:lstStyle/>
-        <a:p>
-          <a:pPr lvl="0" algn="ctr" defTabSz="889000">
-            <a:lnSpc>
-              <a:spcPct val="90000"/>
-            </a:lnSpc>
-            <a:spcBef>
-              <a:spcPct val="0"/>
-            </a:spcBef>
-            <a:spcAft>
-              <a:spcPct val="35000"/>
-            </a:spcAft>
-          </a:pPr>
-          <a:r>
-            <a:rPr lang="en-AU" sz="2000" kern="1200" dirty="0" smtClean="0"/>
-            <a:t>Hybrid learning and architecture methods are emerging to be more popular. </a:t>
-          </a:r>
-          <a:endParaRPr lang="en-AU" sz="2000" kern="1200" dirty="0"/>
-        </a:p>
-      </dsp:txBody>
-      <dsp:txXfrm>
-        <a:off x="7984082" y="553117"/>
-        <a:ext cx="2386824" cy="1768588"/>
-      </dsp:txXfrm>
-    </dsp:sp>
-    <dsp:sp modelId="{8943E1A8-D9BB-411F-B475-D14472B84E6A}">
-      <dsp:nvSpPr>
-        <dsp:cNvPr id="0" name=""/>
-        <dsp:cNvSpPr/>
-      </dsp:nvSpPr>
-      <dsp:spPr>
-        <a:xfrm>
-          <a:off x="8127868" y="3005502"/>
-          <a:ext cx="2893654" cy="2605786"/>
-        </a:xfrm>
-        <a:prstGeom prst="ellipse">
-          <a:avLst/>
-        </a:prstGeom>
-        <a:solidFill>
-          <a:schemeClr val="accent4">
-            <a:alpha val="50000"/>
-            <a:hueOff val="7796769"/>
-            <a:satOff val="-35976"/>
-            <a:lumOff val="1324"/>
-            <a:alphaOff val="0"/>
-          </a:schemeClr>
-        </a:solidFill>
-        <a:ln w="12700" cap="flat" cmpd="sng" algn="ctr">
-          <a:solidFill>
-            <a:schemeClr val="lt1">
-              <a:hueOff val="0"/>
-              <a:satOff val="0"/>
-              <a:lumOff val="0"/>
-              <a:alphaOff val="0"/>
-            </a:schemeClr>
-          </a:solidFill>
-          <a:prstDash val="solid"/>
-          <a:miter lim="800000"/>
-        </a:ln>
-        <a:effectLst/>
-      </dsp:spPr>
-      <dsp:style>
-        <a:lnRef idx="2">
-          <a:scrgbClr r="0" g="0" b="0"/>
-        </a:lnRef>
-        <a:fillRef idx="1">
-          <a:scrgbClr r="0" g="0" b="0"/>
-        </a:fillRef>
-        <a:effectRef idx="0">
-          <a:scrgbClr r="0" g="0" b="0"/>
-        </a:effectRef>
-        <a:fontRef idx="minor">
-          <a:schemeClr val="tx1"/>
-        </a:fontRef>
-      </dsp:style>
-      <dsp:txBody>
-        <a:bodyPr spcFirstLastPara="0" vert="horz" wrap="square" lIns="25400" tIns="25400" rIns="25400" bIns="25400" numCol="1" spcCol="1270" anchor="ctr" anchorCtr="0">
-          <a:noAutofit/>
-        </a:bodyPr>
-        <a:lstStyle/>
-        <a:p>
-          <a:pPr lvl="0" algn="ctr" defTabSz="889000">
-            <a:lnSpc>
-              <a:spcPct val="90000"/>
-            </a:lnSpc>
-            <a:spcBef>
-              <a:spcPct val="0"/>
-            </a:spcBef>
-            <a:spcAft>
-              <a:spcPct val="35000"/>
-            </a:spcAft>
-          </a:pPr>
-          <a:r>
-            <a:rPr lang="en-AU" sz="2000" kern="1200" dirty="0" smtClean="0"/>
-            <a:t>Application in shares/bonds and bankruptcy and financial distress prediction most common.</a:t>
-          </a:r>
-          <a:endParaRPr lang="en-AU" sz="2000" kern="1200" dirty="0"/>
-        </a:p>
-      </dsp:txBody>
-      <dsp:txXfrm>
-        <a:off x="8551634" y="3387111"/>
-        <a:ext cx="2046122" cy="1842568"/>
-      </dsp:txXfrm>
-    </dsp:sp>
-    <dsp:sp modelId="{5A5CE63A-08AF-4C45-9800-FB5E3A98413E}">
-      <dsp:nvSpPr>
-        <dsp:cNvPr id="0" name=""/>
-        <dsp:cNvSpPr/>
-      </dsp:nvSpPr>
-      <dsp:spPr>
-        <a:xfrm>
-          <a:off x="277292" y="829776"/>
-          <a:ext cx="2461487" cy="2925684"/>
-        </a:xfrm>
-        <a:prstGeom prst="ellipse">
-          <a:avLst/>
-        </a:prstGeom>
-        <a:solidFill>
-          <a:schemeClr val="accent4">
-            <a:alpha val="50000"/>
-            <a:hueOff val="10395692"/>
-            <a:satOff val="-47968"/>
-            <a:lumOff val="1765"/>
-            <a:alphaOff val="0"/>
-          </a:schemeClr>
-        </a:solidFill>
-        <a:ln w="12700" cap="flat" cmpd="sng" algn="ctr">
-          <a:solidFill>
-            <a:schemeClr val="lt1">
-              <a:hueOff val="0"/>
-              <a:satOff val="0"/>
-              <a:lumOff val="0"/>
-              <a:alphaOff val="0"/>
-            </a:schemeClr>
-          </a:solidFill>
-          <a:prstDash val="solid"/>
-          <a:miter lim="800000"/>
-        </a:ln>
-        <a:effectLst/>
-      </dsp:spPr>
-      <dsp:style>
-        <a:lnRef idx="2">
-          <a:scrgbClr r="0" g="0" b="0"/>
-        </a:lnRef>
-        <a:fillRef idx="1">
-          <a:scrgbClr r="0" g="0" b="0"/>
-        </a:fillRef>
-        <a:effectRef idx="0">
-          <a:scrgbClr r="0" g="0" b="0"/>
-        </a:effectRef>
-        <a:fontRef idx="minor">
-          <a:schemeClr val="tx1"/>
-        </a:fontRef>
-      </dsp:style>
-      <dsp:txBody>
-        <a:bodyPr spcFirstLastPara="0" vert="horz" wrap="square" lIns="25400" tIns="25400" rIns="25400" bIns="25400" numCol="1" spcCol="1270" anchor="ctr" anchorCtr="0">
-          <a:noAutofit/>
-        </a:bodyPr>
-        <a:lstStyle/>
-        <a:p>
-          <a:pPr lvl="0" algn="ctr" defTabSz="889000">
-            <a:lnSpc>
-              <a:spcPct val="90000"/>
-            </a:lnSpc>
-            <a:spcBef>
-              <a:spcPct val="0"/>
-            </a:spcBef>
-            <a:spcAft>
-              <a:spcPct val="35000"/>
-            </a:spcAft>
-          </a:pPr>
-          <a:r>
-            <a:rPr lang="en-AU" sz="2000" kern="1200" dirty="0" smtClean="0"/>
-            <a:t>Stock trading guided by prediction of the sign of stock return more profitable.</a:t>
-          </a:r>
-          <a:endParaRPr lang="en-AU" sz="2000" kern="1200" dirty="0"/>
-        </a:p>
-      </dsp:txBody>
-      <dsp:txXfrm>
-        <a:off x="637768" y="1258233"/>
-        <a:ext cx="1740535" cy="2068770"/>
-      </dsp:txXfrm>
-    </dsp:sp>
   </dsp:spTree>
 </dsp:drawing>
 </file>
@@ -8231,7 +7836,6 @@
               <a:rPr lang="en-AU" dirty="0"/>
               <a:t>United States 10 Year Treasury Note</a:t>
             </a:r>
-            <a:endParaRPr lang="en-AU" dirty="0"/>
           </a:p>
         </p:txBody>
       </p:sp>
@@ -9052,7 +8656,6 @@
               <a:rPr lang="en-AU" dirty="0" smtClean="0"/>
               <a:t>A trading simulation was developed to further compare our results to a typical buy-and-hold strategy.</a:t>
             </a:r>
-            <a:endParaRPr lang="en-AU" dirty="0" smtClean="0"/>
           </a:p>
           <a:p>
             <a:r>
@@ -9261,24 +8864,67 @@
           <a:p>
             <a:r>
               <a:rPr lang="en-AU" dirty="0" smtClean="0"/>
-              <a:t>Results we obtained are inline with the paper</a:t>
-            </a:r>
-          </a:p>
-          <a:p>
+              <a:t>Results we </a:t>
+            </a:r>
             <a:r>
               <a:rPr lang="en-AU" dirty="0" smtClean="0"/>
-              <a:t>Does appear to be inefficiencies in the market we can exploit</a:t>
-            </a:r>
-          </a:p>
-          <a:p>
+              <a:t>obtained using RMSE and accuracy percentage were promising, and broadly inline </a:t>
+            </a:r>
             <a:r>
               <a:rPr lang="en-AU" dirty="0" smtClean="0"/>
-              <a:t>Further work to optimise the input selection and neural </a:t>
-            </a:r>
-            <a:r>
-              <a:rPr lang="en-AU" smtClean="0"/>
-              <a:t>network parameters</a:t>
-            </a:r>
+              <a:t>with </a:t>
+            </a:r>
+            <a:r>
+              <a:rPr lang="en-AU" dirty="0" smtClean="0"/>
+              <a:t>what was achieved in the paper.</a:t>
+            </a:r>
+            <a:endParaRPr lang="en-AU" dirty="0" smtClean="0"/>
+          </a:p>
+          <a:p>
+            <a:r>
+              <a:rPr lang="en-AU" dirty="0" smtClean="0"/>
+              <a:t>There does </a:t>
+            </a:r>
+            <a:r>
+              <a:rPr lang="en-AU" dirty="0" smtClean="0"/>
+              <a:t>appear to be inefficiencies in the market we can </a:t>
+            </a:r>
+            <a:r>
+              <a:rPr lang="en-AU" dirty="0" smtClean="0"/>
+              <a:t>exploit.</a:t>
+            </a:r>
+          </a:p>
+          <a:p>
+            <a:r>
+              <a:rPr lang="en-AU" dirty="0" smtClean="0"/>
+              <a:t>The trading simulation showed better than expected results, and could be enhanced to account for dividends, taxes and transaction costs to produce a more realistic P&amp;L.</a:t>
+            </a:r>
+            <a:endParaRPr lang="en-AU" dirty="0" smtClean="0"/>
+          </a:p>
+          <a:p>
+            <a:r>
+              <a:rPr lang="en-AU" dirty="0" smtClean="0"/>
+              <a:t>Further work </a:t>
+            </a:r>
+            <a:r>
+              <a:rPr lang="en-AU" dirty="0" smtClean="0"/>
+              <a:t>can be done to </a:t>
+            </a:r>
+            <a:r>
+              <a:rPr lang="en-AU" dirty="0" smtClean="0"/>
+              <a:t>optimise the input selection and neural network </a:t>
+            </a:r>
+            <a:r>
+              <a:rPr lang="en-AU" dirty="0" smtClean="0"/>
+              <a:t>parameters.</a:t>
+            </a:r>
+          </a:p>
+          <a:p>
+            <a:r>
+              <a:rPr lang="en-AU" dirty="0" smtClean="0"/>
+              <a:t>We can also look at applying more rigorous testing against different time frames and market conditions to ensure our results are consistent and not just a statistical anomaly. </a:t>
+            </a:r>
+            <a:endParaRPr lang="en-AU" dirty="0" smtClean="0"/>
           </a:p>
           <a:p>
             <a:endParaRPr lang="en-AU" dirty="0" smtClean="0"/>

--- a/Presentation/Sunay - Final Demo.pptx
+++ b/Presentation/Sunay - Final Demo.pptx
@@ -1239,6 +1239,401 @@
       <dsp:cNvGrpSpPr/>
     </dsp:nvGrpSpPr>
     <dsp:grpSpPr/>
+    <dsp:sp modelId="{49A0904E-8837-4903-8A87-643C0E664CEC}">
+      <dsp:nvSpPr>
+        <dsp:cNvPr id="0" name=""/>
+        <dsp:cNvSpPr/>
+      </dsp:nvSpPr>
+      <dsp:spPr>
+        <a:xfrm>
+          <a:off x="4296604" y="2218269"/>
+          <a:ext cx="3114269" cy="3114269"/>
+        </a:xfrm>
+        <a:prstGeom prst="ellipse">
+          <a:avLst/>
+        </a:prstGeom>
+        <a:solidFill>
+          <a:schemeClr val="accent4">
+            <a:alpha val="50000"/>
+            <a:hueOff val="0"/>
+            <a:satOff val="0"/>
+            <a:lumOff val="0"/>
+            <a:alphaOff val="0"/>
+          </a:schemeClr>
+        </a:solidFill>
+        <a:ln w="12700" cap="flat" cmpd="sng" algn="ctr">
+          <a:solidFill>
+            <a:schemeClr val="lt1">
+              <a:hueOff val="0"/>
+              <a:satOff val="0"/>
+              <a:lumOff val="0"/>
+              <a:alphaOff val="0"/>
+            </a:schemeClr>
+          </a:solidFill>
+          <a:prstDash val="solid"/>
+          <a:miter lim="800000"/>
+        </a:ln>
+        <a:effectLst/>
+      </dsp:spPr>
+      <dsp:style>
+        <a:lnRef idx="2">
+          <a:scrgbClr r="0" g="0" b="0"/>
+        </a:lnRef>
+        <a:fillRef idx="1">
+          <a:scrgbClr r="0" g="0" b="0"/>
+        </a:fillRef>
+        <a:effectRef idx="0">
+          <a:scrgbClr r="0" g="0" b="0"/>
+        </a:effectRef>
+        <a:fontRef idx="minor">
+          <a:schemeClr val="tx1"/>
+        </a:fontRef>
+      </dsp:style>
+      <dsp:txBody>
+        <a:bodyPr spcFirstLastPara="0" vert="horz" wrap="square" lIns="38100" tIns="38100" rIns="38100" bIns="38100" numCol="1" spcCol="1270" anchor="ctr" anchorCtr="0">
+          <a:noAutofit/>
+        </a:bodyPr>
+        <a:lstStyle/>
+        <a:p>
+          <a:pPr lvl="0" algn="ctr" defTabSz="1333500">
+            <a:lnSpc>
+              <a:spcPct val="90000"/>
+            </a:lnSpc>
+            <a:spcBef>
+              <a:spcPct val="0"/>
+            </a:spcBef>
+            <a:spcAft>
+              <a:spcPct val="35000"/>
+            </a:spcAft>
+          </a:pPr>
+          <a:r>
+            <a:rPr lang="en-AU" sz="3000" kern="1200" dirty="0" smtClean="0"/>
+            <a:t>412 articles published between 1994 and 2015 </a:t>
+          </a:r>
+          <a:endParaRPr lang="en-AU" sz="3000" kern="1200" dirty="0"/>
+        </a:p>
+      </dsp:txBody>
+      <dsp:txXfrm>
+        <a:off x="4752678" y="2674343"/>
+        <a:ext cx="2202121" cy="2202121"/>
+      </dsp:txXfrm>
+    </dsp:sp>
+    <dsp:sp modelId="{1EBA2C7C-6DF8-4809-9A9C-146EBAD68E09}">
+      <dsp:nvSpPr>
+        <dsp:cNvPr id="0" name=""/>
+        <dsp:cNvSpPr/>
+      </dsp:nvSpPr>
+      <dsp:spPr>
+        <a:xfrm>
+          <a:off x="2719754" y="205585"/>
+          <a:ext cx="4209806" cy="1875662"/>
+        </a:xfrm>
+        <a:prstGeom prst="ellipse">
+          <a:avLst/>
+        </a:prstGeom>
+        <a:solidFill>
+          <a:schemeClr val="accent4">
+            <a:alpha val="50000"/>
+            <a:hueOff val="2598923"/>
+            <a:satOff val="-11992"/>
+            <a:lumOff val="441"/>
+            <a:alphaOff val="0"/>
+          </a:schemeClr>
+        </a:solidFill>
+        <a:ln w="12700" cap="flat" cmpd="sng" algn="ctr">
+          <a:solidFill>
+            <a:schemeClr val="lt1">
+              <a:hueOff val="0"/>
+              <a:satOff val="0"/>
+              <a:lumOff val="0"/>
+              <a:alphaOff val="0"/>
+            </a:schemeClr>
+          </a:solidFill>
+          <a:prstDash val="solid"/>
+          <a:miter lim="800000"/>
+        </a:ln>
+        <a:effectLst/>
+      </dsp:spPr>
+      <dsp:style>
+        <a:lnRef idx="2">
+          <a:scrgbClr r="0" g="0" b="0"/>
+        </a:lnRef>
+        <a:fillRef idx="1">
+          <a:scrgbClr r="0" g="0" b="0"/>
+        </a:fillRef>
+        <a:effectRef idx="0">
+          <a:scrgbClr r="0" g="0" b="0"/>
+        </a:effectRef>
+        <a:fontRef idx="minor">
+          <a:schemeClr val="tx1"/>
+        </a:fontRef>
+      </dsp:style>
+      <dsp:txBody>
+        <a:bodyPr spcFirstLastPara="0" vert="horz" wrap="square" lIns="25400" tIns="25400" rIns="25400" bIns="25400" numCol="1" spcCol="1270" anchor="ctr" anchorCtr="0">
+          <a:noAutofit/>
+        </a:bodyPr>
+        <a:lstStyle/>
+        <a:p>
+          <a:pPr lvl="0" algn="ctr" defTabSz="889000">
+            <a:lnSpc>
+              <a:spcPct val="90000"/>
+            </a:lnSpc>
+            <a:spcBef>
+              <a:spcPct val="0"/>
+            </a:spcBef>
+            <a:spcAft>
+              <a:spcPct val="35000"/>
+            </a:spcAft>
+          </a:pPr>
+          <a:r>
+            <a:rPr lang="en-AU" sz="2000" kern="1200" dirty="0" smtClean="0"/>
+            <a:t>Multilayer feedforward network with gradient descent backpropagation most common.</a:t>
+          </a:r>
+          <a:endParaRPr lang="en-AU" sz="2000" kern="1200" dirty="0"/>
+        </a:p>
+      </dsp:txBody>
+      <dsp:txXfrm>
+        <a:off x="3336266" y="480269"/>
+        <a:ext cx="2976782" cy="1326294"/>
+      </dsp:txXfrm>
+    </dsp:sp>
+    <dsp:sp modelId="{D39E98F4-F928-44C3-9F7A-C6D9D205FE6A}">
+      <dsp:nvSpPr>
+        <dsp:cNvPr id="0" name=""/>
+        <dsp:cNvSpPr/>
+      </dsp:nvSpPr>
+      <dsp:spPr>
+        <a:xfrm>
+          <a:off x="7489755" y="186830"/>
+          <a:ext cx="3375478" cy="2501162"/>
+        </a:xfrm>
+        <a:prstGeom prst="ellipse">
+          <a:avLst/>
+        </a:prstGeom>
+        <a:solidFill>
+          <a:schemeClr val="accent4">
+            <a:alpha val="50000"/>
+            <a:hueOff val="5197846"/>
+            <a:satOff val="-23984"/>
+            <a:lumOff val="883"/>
+            <a:alphaOff val="0"/>
+          </a:schemeClr>
+        </a:solidFill>
+        <a:ln w="12700" cap="flat" cmpd="sng" algn="ctr">
+          <a:solidFill>
+            <a:schemeClr val="lt1">
+              <a:hueOff val="0"/>
+              <a:satOff val="0"/>
+              <a:lumOff val="0"/>
+              <a:alphaOff val="0"/>
+            </a:schemeClr>
+          </a:solidFill>
+          <a:prstDash val="solid"/>
+          <a:miter lim="800000"/>
+        </a:ln>
+        <a:effectLst/>
+      </dsp:spPr>
+      <dsp:style>
+        <a:lnRef idx="2">
+          <a:scrgbClr r="0" g="0" b="0"/>
+        </a:lnRef>
+        <a:fillRef idx="1">
+          <a:scrgbClr r="0" g="0" b="0"/>
+        </a:fillRef>
+        <a:effectRef idx="0">
+          <a:scrgbClr r="0" g="0" b="0"/>
+        </a:effectRef>
+        <a:fontRef idx="minor">
+          <a:schemeClr val="tx1"/>
+        </a:fontRef>
+      </dsp:style>
+      <dsp:txBody>
+        <a:bodyPr spcFirstLastPara="0" vert="horz" wrap="square" lIns="25400" tIns="25400" rIns="25400" bIns="25400" numCol="1" spcCol="1270" anchor="ctr" anchorCtr="0">
+          <a:noAutofit/>
+        </a:bodyPr>
+        <a:lstStyle/>
+        <a:p>
+          <a:pPr lvl="0" algn="ctr" defTabSz="889000">
+            <a:lnSpc>
+              <a:spcPct val="90000"/>
+            </a:lnSpc>
+            <a:spcBef>
+              <a:spcPct val="0"/>
+            </a:spcBef>
+            <a:spcAft>
+              <a:spcPct val="35000"/>
+            </a:spcAft>
+          </a:pPr>
+          <a:r>
+            <a:rPr lang="en-AU" sz="2000" kern="1200" dirty="0" smtClean="0"/>
+            <a:t>Hybrid learning and architecture methods are emerging to be more popular. </a:t>
+          </a:r>
+          <a:endParaRPr lang="en-AU" sz="2000" kern="1200" dirty="0"/>
+        </a:p>
+      </dsp:txBody>
+      <dsp:txXfrm>
+        <a:off x="7984082" y="553117"/>
+        <a:ext cx="2386824" cy="1768588"/>
+      </dsp:txXfrm>
+    </dsp:sp>
+    <dsp:sp modelId="{8943E1A8-D9BB-411F-B475-D14472B84E6A}">
+      <dsp:nvSpPr>
+        <dsp:cNvPr id="0" name=""/>
+        <dsp:cNvSpPr/>
+      </dsp:nvSpPr>
+      <dsp:spPr>
+        <a:xfrm>
+          <a:off x="8127868" y="3005502"/>
+          <a:ext cx="2893654" cy="2605786"/>
+        </a:xfrm>
+        <a:prstGeom prst="ellipse">
+          <a:avLst/>
+        </a:prstGeom>
+        <a:solidFill>
+          <a:schemeClr val="accent4">
+            <a:alpha val="50000"/>
+            <a:hueOff val="7796769"/>
+            <a:satOff val="-35976"/>
+            <a:lumOff val="1324"/>
+            <a:alphaOff val="0"/>
+          </a:schemeClr>
+        </a:solidFill>
+        <a:ln w="12700" cap="flat" cmpd="sng" algn="ctr">
+          <a:solidFill>
+            <a:schemeClr val="lt1">
+              <a:hueOff val="0"/>
+              <a:satOff val="0"/>
+              <a:lumOff val="0"/>
+              <a:alphaOff val="0"/>
+            </a:schemeClr>
+          </a:solidFill>
+          <a:prstDash val="solid"/>
+          <a:miter lim="800000"/>
+        </a:ln>
+        <a:effectLst/>
+      </dsp:spPr>
+      <dsp:style>
+        <a:lnRef idx="2">
+          <a:scrgbClr r="0" g="0" b="0"/>
+        </a:lnRef>
+        <a:fillRef idx="1">
+          <a:scrgbClr r="0" g="0" b="0"/>
+        </a:fillRef>
+        <a:effectRef idx="0">
+          <a:scrgbClr r="0" g="0" b="0"/>
+        </a:effectRef>
+        <a:fontRef idx="minor">
+          <a:schemeClr val="tx1"/>
+        </a:fontRef>
+      </dsp:style>
+      <dsp:txBody>
+        <a:bodyPr spcFirstLastPara="0" vert="horz" wrap="square" lIns="25400" tIns="25400" rIns="25400" bIns="25400" numCol="1" spcCol="1270" anchor="ctr" anchorCtr="0">
+          <a:noAutofit/>
+        </a:bodyPr>
+        <a:lstStyle/>
+        <a:p>
+          <a:pPr lvl="0" algn="ctr" defTabSz="889000">
+            <a:lnSpc>
+              <a:spcPct val="90000"/>
+            </a:lnSpc>
+            <a:spcBef>
+              <a:spcPct val="0"/>
+            </a:spcBef>
+            <a:spcAft>
+              <a:spcPct val="35000"/>
+            </a:spcAft>
+          </a:pPr>
+          <a:r>
+            <a:rPr lang="en-AU" sz="2000" kern="1200" dirty="0" smtClean="0"/>
+            <a:t>Application in shares/bonds and bankruptcy and financial distress prediction most common.</a:t>
+          </a:r>
+          <a:endParaRPr lang="en-AU" sz="2000" kern="1200" dirty="0"/>
+        </a:p>
+      </dsp:txBody>
+      <dsp:txXfrm>
+        <a:off x="8551634" y="3387111"/>
+        <a:ext cx="2046122" cy="1842568"/>
+      </dsp:txXfrm>
+    </dsp:sp>
+    <dsp:sp modelId="{5A5CE63A-08AF-4C45-9800-FB5E3A98413E}">
+      <dsp:nvSpPr>
+        <dsp:cNvPr id="0" name=""/>
+        <dsp:cNvSpPr/>
+      </dsp:nvSpPr>
+      <dsp:spPr>
+        <a:xfrm>
+          <a:off x="277292" y="829776"/>
+          <a:ext cx="2461487" cy="2925684"/>
+        </a:xfrm>
+        <a:prstGeom prst="ellipse">
+          <a:avLst/>
+        </a:prstGeom>
+        <a:solidFill>
+          <a:schemeClr val="accent4">
+            <a:alpha val="50000"/>
+            <a:hueOff val="10395692"/>
+            <a:satOff val="-47968"/>
+            <a:lumOff val="1765"/>
+            <a:alphaOff val="0"/>
+          </a:schemeClr>
+        </a:solidFill>
+        <a:ln w="12700" cap="flat" cmpd="sng" algn="ctr">
+          <a:solidFill>
+            <a:schemeClr val="lt1">
+              <a:hueOff val="0"/>
+              <a:satOff val="0"/>
+              <a:lumOff val="0"/>
+              <a:alphaOff val="0"/>
+            </a:schemeClr>
+          </a:solidFill>
+          <a:prstDash val="solid"/>
+          <a:miter lim="800000"/>
+        </a:ln>
+        <a:effectLst/>
+      </dsp:spPr>
+      <dsp:style>
+        <a:lnRef idx="2">
+          <a:scrgbClr r="0" g="0" b="0"/>
+        </a:lnRef>
+        <a:fillRef idx="1">
+          <a:scrgbClr r="0" g="0" b="0"/>
+        </a:fillRef>
+        <a:effectRef idx="0">
+          <a:scrgbClr r="0" g="0" b="0"/>
+        </a:effectRef>
+        <a:fontRef idx="minor">
+          <a:schemeClr val="tx1"/>
+        </a:fontRef>
+      </dsp:style>
+      <dsp:txBody>
+        <a:bodyPr spcFirstLastPara="0" vert="horz" wrap="square" lIns="25400" tIns="25400" rIns="25400" bIns="25400" numCol="1" spcCol="1270" anchor="ctr" anchorCtr="0">
+          <a:noAutofit/>
+        </a:bodyPr>
+        <a:lstStyle/>
+        <a:p>
+          <a:pPr lvl="0" algn="ctr" defTabSz="889000">
+            <a:lnSpc>
+              <a:spcPct val="90000"/>
+            </a:lnSpc>
+            <a:spcBef>
+              <a:spcPct val="0"/>
+            </a:spcBef>
+            <a:spcAft>
+              <a:spcPct val="35000"/>
+            </a:spcAft>
+          </a:pPr>
+          <a:r>
+            <a:rPr lang="en-AU" sz="2000" kern="1200" dirty="0" smtClean="0"/>
+            <a:t>Stock trading guided by prediction of the sign of stock return more profitable.</a:t>
+          </a:r>
+          <a:endParaRPr lang="en-AU" sz="2000" kern="1200" dirty="0"/>
+        </a:p>
+      </dsp:txBody>
+      <dsp:txXfrm>
+        <a:off x="637768" y="1258233"/>
+        <a:ext cx="1740535" cy="2068770"/>
+      </dsp:txXfrm>
+    </dsp:sp>
   </dsp:spTree>
 </dsp:drawing>
 </file>
@@ -2550,7 +2945,7 @@
           <a:p>
             <a:fld id="{05EADB36-8970-4C84-8DFA-960BAE2BA83B}" type="datetimeFigureOut">
               <a:rPr lang="en-AU" smtClean="0"/>
-              <a:t>1/06/2016</a:t>
+              <a:t>2/06/2016</a:t>
             </a:fld>
             <a:endParaRPr lang="en-AU"/>
           </a:p>
@@ -3033,7 +3428,7 @@
           <a:p>
             <a:fld id="{5BB0624B-EB9E-465E-937D-C822F4DFD617}" type="datetime1">
               <a:rPr lang="en-AU" smtClean="0"/>
-              <a:t>1/06/2016</a:t>
+              <a:t>2/06/2016</a:t>
             </a:fld>
             <a:endParaRPr lang="en-AU"/>
           </a:p>
@@ -3203,7 +3598,7 @@
           <a:p>
             <a:fld id="{D1D79C02-4237-45CF-83A1-BC18C7F1111A}" type="datetime1">
               <a:rPr lang="en-AU" smtClean="0"/>
-              <a:t>1/06/2016</a:t>
+              <a:t>2/06/2016</a:t>
             </a:fld>
             <a:endParaRPr lang="en-AU"/>
           </a:p>
@@ -3383,7 +3778,7 @@
           <a:p>
             <a:fld id="{6A75606C-26CE-4D97-87A5-44CE6EB38209}" type="datetime1">
               <a:rPr lang="en-AU" smtClean="0"/>
-              <a:t>1/06/2016</a:t>
+              <a:t>2/06/2016</a:t>
             </a:fld>
             <a:endParaRPr lang="en-AU"/>
           </a:p>
@@ -3553,7 +3948,7 @@
           <a:p>
             <a:fld id="{A800A92C-E23F-4D74-9BB0-90F3F5CDEBA4}" type="datetime1">
               <a:rPr lang="en-AU" smtClean="0"/>
-              <a:t>1/06/2016</a:t>
+              <a:t>2/06/2016</a:t>
             </a:fld>
             <a:endParaRPr lang="en-AU"/>
           </a:p>
@@ -3799,7 +4194,7 @@
           <a:p>
             <a:fld id="{8DD8EF3C-8013-4E39-997E-A68435633487}" type="datetime1">
               <a:rPr lang="en-AU" smtClean="0"/>
-              <a:t>1/06/2016</a:t>
+              <a:t>2/06/2016</a:t>
             </a:fld>
             <a:endParaRPr lang="en-AU"/>
           </a:p>
@@ -4031,7 +4426,7 @@
           <a:p>
             <a:fld id="{B13720F6-2A9F-4E81-9A9B-9BE3AAD8F6A6}" type="datetime1">
               <a:rPr lang="en-AU" smtClean="0"/>
-              <a:t>1/06/2016</a:t>
+              <a:t>2/06/2016</a:t>
             </a:fld>
             <a:endParaRPr lang="en-AU"/>
           </a:p>
@@ -4398,7 +4793,7 @@
           <a:p>
             <a:fld id="{3810C811-D44B-4A2B-B9BF-710C52245F5D}" type="datetime1">
               <a:rPr lang="en-AU" smtClean="0"/>
-              <a:t>1/06/2016</a:t>
+              <a:t>2/06/2016</a:t>
             </a:fld>
             <a:endParaRPr lang="en-AU"/>
           </a:p>
@@ -4516,7 +4911,7 @@
           <a:p>
             <a:fld id="{31630039-E1EA-4E29-B63B-8707B169DE0E}" type="datetime1">
               <a:rPr lang="en-AU" smtClean="0"/>
-              <a:t>1/06/2016</a:t>
+              <a:t>2/06/2016</a:t>
             </a:fld>
             <a:endParaRPr lang="en-AU"/>
           </a:p>
@@ -4611,7 +5006,7 @@
           <a:p>
             <a:fld id="{D3E3456E-C248-46F0-BD47-735ABEADB80C}" type="datetime1">
               <a:rPr lang="en-AU" smtClean="0"/>
-              <a:t>1/06/2016</a:t>
+              <a:t>2/06/2016</a:t>
             </a:fld>
             <a:endParaRPr lang="en-AU"/>
           </a:p>
@@ -4888,7 +5283,7 @@
           <a:p>
             <a:fld id="{62AC34AD-9FF3-4231-9F23-7C58C5C9A52E}" type="datetime1">
               <a:rPr lang="en-AU" smtClean="0"/>
-              <a:t>1/06/2016</a:t>
+              <a:t>2/06/2016</a:t>
             </a:fld>
             <a:endParaRPr lang="en-AU"/>
           </a:p>
@@ -5141,7 +5536,7 @@
           <a:p>
             <a:fld id="{7ACA685E-BD9D-4E26-8B79-B9798EBDE278}" type="datetime1">
               <a:rPr lang="en-AU" smtClean="0"/>
-              <a:t>1/06/2016</a:t>
+              <a:t>2/06/2016</a:t>
             </a:fld>
             <a:endParaRPr lang="en-AU"/>
           </a:p>
@@ -5354,7 +5749,7 @@
           <a:p>
             <a:fld id="{C4AA84A9-2D24-4B19-8D7B-B4302D4F478D}" type="datetime1">
               <a:rPr lang="en-AU" smtClean="0"/>
-              <a:t>1/06/2016</a:t>
+              <a:t>2/06/2016</a:t>
             </a:fld>
             <a:endParaRPr lang="en-AU"/>
           </a:p>
@@ -5908,7 +6303,11 @@
           <a:p>
             <a:r>
               <a:rPr lang="en-AU" dirty="0" smtClean="0"/>
-              <a:t>April 2016</a:t>
+              <a:t>June </a:t>
+            </a:r>
+            <a:r>
+              <a:rPr lang="en-AU" dirty="0" smtClean="0"/>
+              <a:t>2016</a:t>
             </a:r>
             <a:endParaRPr lang="en-AU" dirty="0"/>
           </a:p>
@@ -8123,7 +8522,7 @@
         </p:blipFill>
         <p:spPr>
           <a:xfrm>
-            <a:off x="7696199" y="764320"/>
+            <a:off x="7696199" y="576744"/>
             <a:ext cx="3990975" cy="3380653"/>
           </a:xfrm>
           <a:prstGeom prst="rect">
@@ -8201,8 +8600,8 @@
         </p:blipFill>
         <p:spPr>
           <a:xfrm>
-            <a:off x="7343910" y="4165254"/>
-            <a:ext cx="4343264" cy="2170814"/>
+            <a:off x="6260898" y="4108551"/>
+            <a:ext cx="4699404" cy="2348817"/>
           </a:xfrm>
           <a:prstGeom prst="rect">
             <a:avLst/>
@@ -8258,87 +8657,108 @@
         </p:nvSpPr>
         <p:spPr>
           <a:xfrm>
-            <a:off x="765909" y="1325563"/>
-            <a:ext cx="5977792" cy="4351338"/>
+            <a:off x="382954" y="1043599"/>
+            <a:ext cx="6466254" cy="5340960"/>
           </a:xfrm>
         </p:spPr>
         <p:txBody>
           <a:bodyPr>
-            <a:normAutofit fontScale="92500" lnSpcReduction="10000"/>
+            <a:noAutofit/>
           </a:bodyPr>
           <a:lstStyle/>
           <a:p>
             <a:r>
-              <a:rPr lang="en-AU" dirty="0"/>
-              <a:t>The project </a:t>
-            </a:r>
-            <a:r>
-              <a:rPr lang="en-AU" dirty="0" smtClean="0"/>
-              <a:t>has been implemented using Python 2.7</a:t>
-            </a:r>
-            <a:endParaRPr lang="en-AU" dirty="0"/>
-          </a:p>
-          <a:p>
-            <a:r>
-              <a:rPr lang="en-AU" dirty="0" smtClean="0"/>
+              <a:rPr lang="en-AU" sz="2400" dirty="0" smtClean="0"/>
+              <a:t>Python </a:t>
+            </a:r>
+            <a:r>
+              <a:rPr lang="en-AU" sz="2400" dirty="0" smtClean="0"/>
+              <a:t>2.7</a:t>
+            </a:r>
+            <a:endParaRPr lang="en-AU" sz="2400" dirty="0"/>
+          </a:p>
+          <a:p>
+            <a:r>
+              <a:rPr lang="en-AU" sz="2400" dirty="0" smtClean="0"/>
               <a:t>Utilises open-source libraries, </a:t>
             </a:r>
             <a:r>
-              <a:rPr lang="en-AU" dirty="0"/>
+              <a:rPr lang="en-AU" sz="2400" dirty="0"/>
               <a:t>such as </a:t>
             </a:r>
             <a:r>
-              <a:rPr lang="en-AU" dirty="0" err="1" smtClean="0"/>
+              <a:rPr lang="en-AU" sz="2400" dirty="0" err="1" smtClean="0"/>
               <a:t>NeuPy</a:t>
             </a:r>
             <a:r>
-              <a:rPr lang="en-AU" dirty="0" smtClean="0"/>
+              <a:rPr lang="en-AU" sz="2400" dirty="0" smtClean="0"/>
               <a:t> </a:t>
             </a:r>
             <a:r>
-              <a:rPr lang="en-AU" dirty="0"/>
+              <a:rPr lang="en-AU" sz="2400" dirty="0"/>
               <a:t>and </a:t>
             </a:r>
             <a:r>
-              <a:rPr lang="en-AU" dirty="0" err="1" smtClean="0"/>
+              <a:rPr lang="en-AU" sz="2400" dirty="0" err="1" smtClean="0"/>
               <a:t>scikit</a:t>
             </a:r>
             <a:r>
-              <a:rPr lang="en-AU" dirty="0" smtClean="0"/>
-              <a:t>-learn, which contain various learning </a:t>
-            </a:r>
-            <a:r>
-              <a:rPr lang="en-AU" dirty="0"/>
-              <a:t>algorithms and network architectures to experiment with</a:t>
-            </a:r>
-            <a:r>
-              <a:rPr lang="en-AU" dirty="0" smtClean="0"/>
+              <a:rPr lang="en-AU" sz="2400" dirty="0" smtClean="0"/>
+              <a:t>-learn.</a:t>
+            </a:r>
+            <a:endParaRPr lang="en-AU" sz="2400" dirty="0" smtClean="0"/>
+          </a:p>
+          <a:p>
+            <a:r>
+              <a:rPr lang="en-AU" sz="2400" dirty="0" smtClean="0"/>
+              <a:t>The input data is first cleaned and aligned based on a specified </a:t>
+            </a:r>
+            <a:r>
+              <a:rPr lang="en-AU" sz="2400" i="1" dirty="0" smtClean="0"/>
+              <a:t>lag</a:t>
+            </a:r>
+            <a:r>
+              <a:rPr lang="en-AU" sz="2400" dirty="0" smtClean="0"/>
+              <a:t> before being fed into the neural networks</a:t>
+            </a:r>
+            <a:r>
+              <a:rPr lang="en-AU" sz="2400" dirty="0" smtClean="0"/>
               <a:t>.</a:t>
             </a:r>
           </a:p>
           <a:p>
             <a:r>
-              <a:rPr lang="en-AU" dirty="0" smtClean="0"/>
-              <a:t>The input data is first cleaned and aligned based on a specified </a:t>
-            </a:r>
-            <a:r>
-              <a:rPr lang="en-AU" i="1" dirty="0" smtClean="0"/>
-              <a:t>lag</a:t>
-            </a:r>
-            <a:r>
-              <a:rPr lang="en-AU" dirty="0" smtClean="0"/>
-              <a:t> before being fed into the neural networks.</a:t>
-            </a:r>
-          </a:p>
-          <a:p>
-            <a:r>
-              <a:rPr lang="en-AU" dirty="0" smtClean="0"/>
-              <a:t>Runtime performance is very dependent on the time horizons and number of inputs we select.</a:t>
-            </a:r>
-            <a:endParaRPr lang="en-AU" dirty="0"/>
-          </a:p>
-          <a:p>
-            <a:endParaRPr lang="en-AU" dirty="0"/>
+              <a:rPr lang="en-AU" sz="2400" dirty="0" smtClean="0"/>
+              <a:t>Used conjugate gradient optimisation for network learning</a:t>
+            </a:r>
+            <a:endParaRPr lang="en-AU" sz="2400" dirty="0" smtClean="0"/>
+          </a:p>
+          <a:p>
+            <a:r>
+              <a:rPr lang="en-AU" sz="2400" dirty="0" smtClean="0"/>
+              <a:t>Runtime performance is very dependent on the time horizons and number of inputs we select</a:t>
+            </a:r>
+            <a:r>
+              <a:rPr lang="en-AU" sz="2400" dirty="0" smtClean="0"/>
+              <a:t>.</a:t>
+            </a:r>
+          </a:p>
+          <a:p>
+            <a:r>
+              <a:rPr lang="en-AU" sz="2400" dirty="0" smtClean="0"/>
+              <a:t>Optimal network architecture with bias at each hidden node</a:t>
+            </a:r>
+            <a:endParaRPr lang="en-AU" sz="2400" dirty="0" smtClean="0"/>
+          </a:p>
+          <a:p>
+            <a:pPr marL="0" indent="0">
+              <a:buNone/>
+            </a:pPr>
+            <a:r>
+              <a:rPr lang="en-AU" sz="2400" dirty="0" smtClean="0"/>
+              <a:t>input layer&lt;11&gt;, tanh&lt;22&gt;,output layer&lt;1&gt;</a:t>
+            </a:r>
+            <a:endParaRPr lang="en-AU" sz="2400" dirty="0"/>
           </a:p>
         </p:txBody>
       </p:sp>
@@ -8361,7 +8781,7 @@
               <a:rPr lang="en-AU" smtClean="0"/>
               <a:t>6</a:t>
             </a:fld>
-            <a:endParaRPr lang="en-AU"/>
+            <a:endParaRPr lang="en-AU" dirty="0"/>
           </a:p>
         </p:txBody>
       </p:sp>
@@ -8381,7 +8801,7 @@
         </p:blipFill>
         <p:spPr>
           <a:xfrm>
-            <a:off x="7356475" y="1423988"/>
+            <a:off x="7333028" y="861280"/>
             <a:ext cx="4432300" cy="3324225"/>
           </a:xfrm>
           <a:prstGeom prst="rect">
@@ -8410,7 +8830,7 @@
         </p:blipFill>
         <p:spPr>
           <a:xfrm>
-            <a:off x="6610350" y="2749551"/>
+            <a:off x="6713415" y="2651126"/>
             <a:ext cx="4829175" cy="3334805"/>
           </a:xfrm>
           <a:prstGeom prst="rect">
@@ -8514,58 +8934,20 @@
             <p:ph type="title"/>
           </p:nvPr>
         </p:nvSpPr>
-        <p:spPr/>
+        <p:spPr>
+          <a:xfrm>
+            <a:off x="0" y="0"/>
+            <a:ext cx="10515600" cy="1325563"/>
+          </a:xfrm>
+        </p:spPr>
         <p:txBody>
           <a:bodyPr/>
           <a:lstStyle/>
           <a:p>
             <a:r>
-              <a:rPr lang="en-AU" dirty="0" smtClean="0"/>
-              <a:t>Performance</a:t>
-            </a:r>
-            <a:endParaRPr lang="en-AU" dirty="0"/>
-          </a:p>
-        </p:txBody>
-      </p:sp>
-      <p:sp>
-        <p:nvSpPr>
-          <p:cNvPr id="3" name="Content Placeholder 2"/>
-          <p:cNvSpPr>
-            <a:spLocks noGrp="1"/>
-          </p:cNvSpPr>
-          <p:nvPr>
-            <p:ph idx="1"/>
-          </p:nvPr>
-        </p:nvSpPr>
-        <p:spPr/>
-        <p:txBody>
-          <a:bodyPr/>
-          <a:lstStyle/>
-          <a:p>
-            <a:r>
-              <a:rPr lang="en-AU" dirty="0" smtClean="0"/>
-              <a:t>Returns and prices </a:t>
-            </a:r>
-          </a:p>
-          <a:p>
-            <a:r>
-              <a:rPr lang="en-AU" dirty="0" smtClean="0"/>
-              <a:t>Classification </a:t>
-            </a:r>
-          </a:p>
-          <a:p>
-            <a:endParaRPr lang="en-AU" dirty="0"/>
-          </a:p>
-          <a:p>
-            <a:r>
-              <a:rPr lang="en-AU" dirty="0"/>
-              <a:t>Use RMSE and correlation as measures of performance as well as proportion of predicted correct direction</a:t>
-            </a:r>
-          </a:p>
-          <a:p>
-            <a:endParaRPr lang="en-AU" dirty="0" smtClean="0"/>
-          </a:p>
-          <a:p>
+              <a:rPr lang="en-AU" b="1" dirty="0" smtClean="0"/>
+              <a:t>Performance: March 2007 – May 2016</a:t>
+            </a:r>
             <a:endParaRPr lang="en-AU" dirty="0"/>
           </a:p>
         </p:txBody>
@@ -8590,6 +8972,361 @@
               <a:t>7</a:t>
             </a:fld>
             <a:endParaRPr lang="en-AU"/>
+          </a:p>
+        </p:txBody>
+      </p:sp>
+      <p:pic>
+        <p:nvPicPr>
+          <p:cNvPr id="6" name="Picture 5"/>
+          <p:cNvPicPr>
+            <a:picLocks noChangeAspect="1"/>
+          </p:cNvPicPr>
+          <p:nvPr/>
+        </p:nvPicPr>
+        <p:blipFill rotWithShape="1">
+          <a:blip r:embed="rId2">
+            <a:extLst>
+              <a:ext uri="{28A0092B-C50C-407E-A947-70E740481C1C}">
+                <a14:useLocalDpi xmlns:a14="http://schemas.microsoft.com/office/drawing/2010/main" val="0"/>
+              </a:ext>
+            </a:extLst>
+          </a:blip>
+          <a:srcRect l="4729" t="4498" r="8125" b="2308"/>
+          <a:stretch/>
+        </p:blipFill>
+        <p:spPr>
+          <a:xfrm>
+            <a:off x="1197296" y="3727939"/>
+            <a:ext cx="5211845" cy="3130061"/>
+          </a:xfrm>
+          <a:prstGeom prst="rect">
+            <a:avLst/>
+          </a:prstGeom>
+        </p:spPr>
+      </p:pic>
+      <p:pic>
+        <p:nvPicPr>
+          <p:cNvPr id="7" name="Picture 6"/>
+          <p:cNvPicPr>
+            <a:picLocks noChangeAspect="1"/>
+          </p:cNvPicPr>
+          <p:nvPr/>
+        </p:nvPicPr>
+        <p:blipFill rotWithShape="1">
+          <a:blip r:embed="rId3">
+            <a:extLst>
+              <a:ext uri="{28A0092B-C50C-407E-A947-70E740481C1C}">
+                <a14:useLocalDpi xmlns:a14="http://schemas.microsoft.com/office/drawing/2010/main" val="0"/>
+              </a:ext>
+            </a:extLst>
+          </a:blip>
+          <a:srcRect l="4490" t="4469" r="6635" b="1119"/>
+          <a:stretch/>
+        </p:blipFill>
+        <p:spPr>
+          <a:xfrm>
+            <a:off x="7003139" y="3931138"/>
+            <a:ext cx="3932439" cy="2608385"/>
+          </a:xfrm>
+          <a:prstGeom prst="rect">
+            <a:avLst/>
+          </a:prstGeom>
+        </p:spPr>
+      </p:pic>
+      <p:pic>
+        <p:nvPicPr>
+          <p:cNvPr id="8" name="Picture 7"/>
+          <p:cNvPicPr>
+            <a:picLocks noChangeAspect="1"/>
+          </p:cNvPicPr>
+          <p:nvPr/>
+        </p:nvPicPr>
+        <p:blipFill rotWithShape="1">
+          <a:blip r:embed="rId4">
+            <a:extLst>
+              <a:ext uri="{28A0092B-C50C-407E-A947-70E740481C1C}">
+                <a14:useLocalDpi xmlns:a14="http://schemas.microsoft.com/office/drawing/2010/main" val="0"/>
+              </a:ext>
+            </a:extLst>
+          </a:blip>
+          <a:srcRect l="4339" t="4380" r="8473" b="1603"/>
+          <a:stretch/>
+        </p:blipFill>
+        <p:spPr>
+          <a:xfrm>
+            <a:off x="1197296" y="965835"/>
+            <a:ext cx="5172669" cy="2762104"/>
+          </a:xfrm>
+          <a:prstGeom prst="rect">
+            <a:avLst/>
+          </a:prstGeom>
+        </p:spPr>
+      </p:pic>
+      <p:pic>
+        <p:nvPicPr>
+          <p:cNvPr id="9" name="Picture 8"/>
+          <p:cNvPicPr>
+            <a:picLocks noChangeAspect="1"/>
+          </p:cNvPicPr>
+          <p:nvPr/>
+        </p:nvPicPr>
+        <p:blipFill rotWithShape="1">
+          <a:blip r:embed="rId5">
+            <a:extLst>
+              <a:ext uri="{28A0092B-C50C-407E-A947-70E740481C1C}">
+                <a14:useLocalDpi xmlns:a14="http://schemas.microsoft.com/office/drawing/2010/main" val="0"/>
+              </a:ext>
+            </a:extLst>
+          </a:blip>
+          <a:srcRect l="4629" t="4636" r="7224" b="747"/>
+          <a:stretch/>
+        </p:blipFill>
+        <p:spPr>
+          <a:xfrm>
+            <a:off x="7003139" y="1022179"/>
+            <a:ext cx="3829539" cy="2618154"/>
+          </a:xfrm>
+          <a:prstGeom prst="rect">
+            <a:avLst/>
+          </a:prstGeom>
+        </p:spPr>
+      </p:pic>
+      <p:sp>
+        <p:nvSpPr>
+          <p:cNvPr id="10" name="Left-Right Arrow 9"/>
+          <p:cNvSpPr/>
+          <p:nvPr/>
+        </p:nvSpPr>
+        <p:spPr>
+          <a:xfrm>
+            <a:off x="3663301" y="6130315"/>
+            <a:ext cx="1492739" cy="336062"/>
+          </a:xfrm>
+          <a:prstGeom prst="leftRightArrow">
+            <a:avLst/>
+          </a:prstGeom>
+          <a:solidFill>
+            <a:srgbClr val="FFFF00"/>
+          </a:solidFill>
+          <a:ln>
+            <a:solidFill>
+              <a:schemeClr val="tx1"/>
+            </a:solidFill>
+          </a:ln>
+        </p:spPr>
+        <p:style>
+          <a:lnRef idx="2">
+            <a:schemeClr val="accent1">
+              <a:shade val="50000"/>
+            </a:schemeClr>
+          </a:lnRef>
+          <a:fillRef idx="1">
+            <a:schemeClr val="accent1"/>
+          </a:fillRef>
+          <a:effectRef idx="0">
+            <a:schemeClr val="accent1"/>
+          </a:effectRef>
+          <a:fontRef idx="minor">
+            <a:schemeClr val="lt1"/>
+          </a:fontRef>
+        </p:style>
+        <p:txBody>
+          <a:bodyPr rtlCol="0" anchor="ctr"/>
+          <a:lstStyle/>
+          <a:p>
+            <a:pPr algn="ctr"/>
+            <a:endParaRPr lang="en-AU"/>
+          </a:p>
+        </p:txBody>
+      </p:sp>
+      <p:sp>
+        <p:nvSpPr>
+          <p:cNvPr id="11" name="TextBox 10"/>
+          <p:cNvSpPr txBox="1"/>
+          <p:nvPr/>
+        </p:nvSpPr>
+        <p:spPr>
+          <a:xfrm>
+            <a:off x="5008073" y="5595815"/>
+            <a:ext cx="1445846" cy="646331"/>
+          </a:xfrm>
+          <a:prstGeom prst="rect">
+            <a:avLst/>
+          </a:prstGeom>
+          <a:noFill/>
+        </p:spPr>
+        <p:txBody>
+          <a:bodyPr wrap="square" rtlCol="0">
+            <a:spAutoFit/>
+          </a:bodyPr>
+          <a:lstStyle/>
+          <a:p>
+            <a:r>
+              <a:rPr lang="en-AU" b="1" dirty="0" smtClean="0"/>
+              <a:t>Training Period</a:t>
+            </a:r>
+            <a:endParaRPr lang="en-AU" b="1" dirty="0"/>
+          </a:p>
+        </p:txBody>
+      </p:sp>
+      <p:sp>
+        <p:nvSpPr>
+          <p:cNvPr id="12" name="Left-Right Arrow 11"/>
+          <p:cNvSpPr/>
+          <p:nvPr/>
+        </p:nvSpPr>
+        <p:spPr>
+          <a:xfrm>
+            <a:off x="3649472" y="2989812"/>
+            <a:ext cx="1492739" cy="336062"/>
+          </a:xfrm>
+          <a:prstGeom prst="leftRightArrow">
+            <a:avLst/>
+          </a:prstGeom>
+          <a:solidFill>
+            <a:srgbClr val="FFFF00"/>
+          </a:solidFill>
+          <a:ln>
+            <a:solidFill>
+              <a:schemeClr val="tx1"/>
+            </a:solidFill>
+          </a:ln>
+        </p:spPr>
+        <p:style>
+          <a:lnRef idx="2">
+            <a:schemeClr val="accent1">
+              <a:shade val="50000"/>
+            </a:schemeClr>
+          </a:lnRef>
+          <a:fillRef idx="1">
+            <a:schemeClr val="accent1"/>
+          </a:fillRef>
+          <a:effectRef idx="0">
+            <a:schemeClr val="accent1"/>
+          </a:effectRef>
+          <a:fontRef idx="minor">
+            <a:schemeClr val="lt1"/>
+          </a:fontRef>
+        </p:style>
+        <p:txBody>
+          <a:bodyPr rtlCol="0" anchor="ctr"/>
+          <a:lstStyle/>
+          <a:p>
+            <a:pPr algn="ctr"/>
+            <a:endParaRPr lang="en-AU"/>
+          </a:p>
+        </p:txBody>
+      </p:sp>
+      <p:sp>
+        <p:nvSpPr>
+          <p:cNvPr id="13" name="TextBox 12"/>
+          <p:cNvSpPr txBox="1"/>
+          <p:nvPr/>
+        </p:nvSpPr>
+        <p:spPr>
+          <a:xfrm>
+            <a:off x="4108779" y="2442415"/>
+            <a:ext cx="1445846" cy="646331"/>
+          </a:xfrm>
+          <a:prstGeom prst="rect">
+            <a:avLst/>
+          </a:prstGeom>
+          <a:noFill/>
+        </p:spPr>
+        <p:txBody>
+          <a:bodyPr wrap="square" rtlCol="0">
+            <a:spAutoFit/>
+          </a:bodyPr>
+          <a:lstStyle/>
+          <a:p>
+            <a:r>
+              <a:rPr lang="en-AU" b="1" dirty="0" smtClean="0"/>
+              <a:t>Training Period</a:t>
+            </a:r>
+            <a:endParaRPr lang="en-AU" b="1" dirty="0"/>
+          </a:p>
+        </p:txBody>
+      </p:sp>
+      <p:sp>
+        <p:nvSpPr>
+          <p:cNvPr id="14" name="12-Point Star 13"/>
+          <p:cNvSpPr/>
+          <p:nvPr/>
+        </p:nvSpPr>
+        <p:spPr>
+          <a:xfrm>
+            <a:off x="9531417" y="182026"/>
+            <a:ext cx="2660583" cy="2149230"/>
+          </a:xfrm>
+          <a:prstGeom prst="star12">
+            <a:avLst/>
+          </a:prstGeom>
+          <a:solidFill>
+            <a:srgbClr val="FFFF00"/>
+          </a:solidFill>
+          <a:ln>
+            <a:solidFill>
+              <a:schemeClr val="tx1"/>
+            </a:solidFill>
+          </a:ln>
+        </p:spPr>
+        <p:style>
+          <a:lnRef idx="2">
+            <a:schemeClr val="accent1">
+              <a:shade val="50000"/>
+            </a:schemeClr>
+          </a:lnRef>
+          <a:fillRef idx="1">
+            <a:schemeClr val="accent1"/>
+          </a:fillRef>
+          <a:effectRef idx="0">
+            <a:schemeClr val="accent1"/>
+          </a:effectRef>
+          <a:fontRef idx="minor">
+            <a:schemeClr val="lt1"/>
+          </a:fontRef>
+        </p:style>
+        <p:txBody>
+          <a:bodyPr rtlCol="0" anchor="ctr"/>
+          <a:lstStyle/>
+          <a:p>
+            <a:r>
+              <a:rPr lang="en-AU" sz="1600" b="1" dirty="0" smtClean="0">
+                <a:solidFill>
+                  <a:schemeClr val="tx1"/>
+                </a:solidFill>
+              </a:rPr>
+              <a:t>Daily direction 1278 days </a:t>
+            </a:r>
+            <a:r>
+              <a:rPr lang="en-AU" sz="1600" b="1" dirty="0">
+                <a:solidFill>
+                  <a:schemeClr val="tx1"/>
+                </a:solidFill>
+              </a:rPr>
+              <a:t>out of </a:t>
+            </a:r>
+            <a:r>
+              <a:rPr lang="en-AU" sz="1600" b="1" dirty="0" smtClean="0">
+                <a:solidFill>
+                  <a:schemeClr val="tx1"/>
+                </a:solidFill>
+              </a:rPr>
+              <a:t>2439 days </a:t>
+            </a:r>
+            <a:r>
+              <a:rPr lang="en-AU" sz="1600" b="1" dirty="0">
+                <a:solidFill>
+                  <a:schemeClr val="tx1"/>
+                </a:solidFill>
+              </a:rPr>
+              <a:t>= 52% correct</a:t>
+            </a:r>
+            <a:endParaRPr lang="en-AU" sz="1600" b="1" dirty="0">
+              <a:solidFill>
+                <a:schemeClr val="tx1"/>
+              </a:solidFill>
+            </a:endParaRPr>
           </a:p>
         </p:txBody>
       </p:sp>
@@ -8695,35 +9432,6 @@
           </a:p>
         </p:txBody>
       </p:sp>
-      <p:pic>
-        <p:nvPicPr>
-          <p:cNvPr id="5" name="Picture 4"/>
-          <p:cNvPicPr>
-            <a:picLocks noChangeAspect="1"/>
-          </p:cNvPicPr>
-          <p:nvPr/>
-        </p:nvPicPr>
-        <p:blipFill rotWithShape="1">
-          <a:blip r:embed="rId2">
-            <a:extLst>
-              <a:ext uri="{28A0092B-C50C-407E-A947-70E740481C1C}">
-                <a14:useLocalDpi xmlns:a14="http://schemas.microsoft.com/office/drawing/2010/main" val="0"/>
-              </a:ext>
-            </a:extLst>
-          </a:blip>
-          <a:srcRect l="1823" t="5158" r="9506" b="2192"/>
-          <a:stretch/>
-        </p:blipFill>
-        <p:spPr>
-          <a:xfrm>
-            <a:off x="7055863" y="1825625"/>
-            <a:ext cx="4817049" cy="3756025"/>
-          </a:xfrm>
-          <a:prstGeom prst="rect">
-            <a:avLst/>
-          </a:prstGeom>
-        </p:spPr>
-      </p:pic>
       <p:sp>
         <p:nvSpPr>
           <p:cNvPr id="6" name="Title 1"/>
@@ -8773,6 +9481,35 @@
           </a:p>
         </p:txBody>
       </p:sp>
+      <p:pic>
+        <p:nvPicPr>
+          <p:cNvPr id="2" name="Picture 1"/>
+          <p:cNvPicPr>
+            <a:picLocks noChangeAspect="1"/>
+          </p:cNvPicPr>
+          <p:nvPr/>
+        </p:nvPicPr>
+        <p:blipFill rotWithShape="1">
+          <a:blip r:embed="rId2">
+            <a:extLst>
+              <a:ext uri="{28A0092B-C50C-407E-A947-70E740481C1C}">
+                <a14:useLocalDpi xmlns:a14="http://schemas.microsoft.com/office/drawing/2010/main" val="0"/>
+              </a:ext>
+            </a:extLst>
+          </a:blip>
+          <a:srcRect l="3540" t="4354" r="7911" b="2005"/>
+          <a:stretch/>
+        </p:blipFill>
+        <p:spPr>
+          <a:xfrm>
+            <a:off x="7055863" y="1527967"/>
+            <a:ext cx="5071365" cy="3614555"/>
+          </a:xfrm>
+          <a:prstGeom prst="rect">
+            <a:avLst/>
+          </a:prstGeom>
+        </p:spPr>
+      </p:pic>
     </p:spTree>
     <p:extLst>
       <p:ext uri="{BB962C8B-B14F-4D97-AF65-F5344CB8AC3E}">
@@ -8864,34 +9601,13 @@
           <a:p>
             <a:r>
               <a:rPr lang="en-AU" dirty="0" smtClean="0"/>
-              <a:t>Results we </a:t>
-            </a:r>
+              <a:t>Results we obtained using RMSE and accuracy percentage were promising, and broadly inline with what was achieved in the paper.</a:t>
+            </a:r>
+          </a:p>
+          <a:p>
             <a:r>
               <a:rPr lang="en-AU" dirty="0" smtClean="0"/>
-              <a:t>obtained using RMSE and accuracy percentage were promising, and broadly inline </a:t>
-            </a:r>
-            <a:r>
-              <a:rPr lang="en-AU" dirty="0" smtClean="0"/>
-              <a:t>with </a:t>
-            </a:r>
-            <a:r>
-              <a:rPr lang="en-AU" dirty="0" smtClean="0"/>
-              <a:t>what was achieved in the paper.</a:t>
-            </a:r>
-            <a:endParaRPr lang="en-AU" dirty="0" smtClean="0"/>
-          </a:p>
-          <a:p>
-            <a:r>
-              <a:rPr lang="en-AU" dirty="0" smtClean="0"/>
-              <a:t>There does </a:t>
-            </a:r>
-            <a:r>
-              <a:rPr lang="en-AU" dirty="0" smtClean="0"/>
-              <a:t>appear to be inefficiencies in the market we can </a:t>
-            </a:r>
-            <a:r>
-              <a:rPr lang="en-AU" dirty="0" smtClean="0"/>
-              <a:t>exploit.</a:t>
+              <a:t>There does appear to be inefficiencies in the market we can exploit.</a:t>
             </a:r>
           </a:p>
           <a:p>
@@ -8899,24 +9615,11 @@
               <a:rPr lang="en-AU" dirty="0" smtClean="0"/>
               <a:t>The trading simulation showed better than expected results, and could be enhanced to account for dividends, taxes and transaction costs to produce a more realistic P&amp;L.</a:t>
             </a:r>
-            <a:endParaRPr lang="en-AU" dirty="0" smtClean="0"/>
           </a:p>
           <a:p>
             <a:r>
               <a:rPr lang="en-AU" dirty="0" smtClean="0"/>
-              <a:t>Further work </a:t>
-            </a:r>
-            <a:r>
-              <a:rPr lang="en-AU" dirty="0" smtClean="0"/>
-              <a:t>can be done to </a:t>
-            </a:r>
-            <a:r>
-              <a:rPr lang="en-AU" dirty="0" smtClean="0"/>
-              <a:t>optimise the input selection and neural network </a:t>
-            </a:r>
-            <a:r>
-              <a:rPr lang="en-AU" dirty="0" smtClean="0"/>
-              <a:t>parameters.</a:t>
+              <a:t>Further work can be done to optimise the input selection and neural network parameters.</a:t>
             </a:r>
           </a:p>
           <a:p>
@@ -8924,7 +9627,6 @@
               <a:rPr lang="en-AU" dirty="0" smtClean="0"/>
               <a:t>We can also look at applying more rigorous testing against different time frames and market conditions to ensure our results are consistent and not just a statistical anomaly. </a:t>
             </a:r>
-            <a:endParaRPr lang="en-AU" dirty="0" smtClean="0"/>
           </a:p>
           <a:p>
             <a:endParaRPr lang="en-AU" dirty="0" smtClean="0"/>
